--- a/doc/PSI-Apresentação de Projeto Final 2.pptx
+++ b/doc/PSI-Apresentação de Projeto Final 2.pptx
@@ -3951,7 +3951,7 @@
                 </a:solidFill>
                 <a:latin typeface="Arial Black" panose="020B0A04020102020204" pitchFamily="34" charset="0"/>
               </a:rPr>
-              <a:t>Apresentação de Projeto Final</a:t>
+              <a:t>Apresentação do Projeto Final</a:t>
             </a:r>
           </a:p>
         </p:txBody>
@@ -4286,7 +4286,7 @@
         </p:nvSpPr>
         <p:spPr>
           <a:xfrm>
-            <a:off x="838201" y="3744853"/>
+            <a:off x="1088366" y="3879275"/>
             <a:ext cx="10395856" cy="2031325"/>
           </a:xfrm>
           <a:prstGeom prst="rect">
@@ -4329,7 +4329,7 @@
               <a:rPr lang="pt-PT" dirty="0">
                 <a:latin typeface="Arial Nova" panose="020B0504020202020204" pitchFamily="34" charset="0"/>
               </a:rPr>
-              <a:t>Visualizar histórico de reparação e manutenção</a:t>
+              <a:t>Visualização do histórico de reparação e manutenção</a:t>
             </a:r>
           </a:p>
           <a:p>
@@ -4367,7 +4367,7 @@
               <a:rPr lang="pt-PT" dirty="0">
                 <a:latin typeface="Arial Nova" panose="020B0504020202020204" pitchFamily="34" charset="0"/>
               </a:rPr>
-              <a:t>Notificar os clientes</a:t>
+              <a:t>Notificar os clientes do estado do veículo/reparação</a:t>
             </a:r>
           </a:p>
         </p:txBody>
@@ -5774,7 +5774,7 @@
         <p:spPr>
           <a:xfrm>
             <a:off x="397472" y="2200181"/>
-            <a:ext cx="3066294" cy="3693319"/>
+            <a:ext cx="3066294" cy="3970318"/>
           </a:xfrm>
           <a:prstGeom prst="rect">
             <a:avLst/>
@@ -5795,7 +5795,7 @@
               <a:rPr lang="pt-PT" dirty="0">
                 <a:latin typeface="Arial Nova" panose="020B0504020202020204" pitchFamily="34" charset="0"/>
               </a:rPr>
-              <a:t>Escolher a oficina</a:t>
+              <a:t>Escolher uma oficina</a:t>
             </a:r>
           </a:p>
           <a:p>
@@ -5837,7 +5837,7 @@
               <a:rPr lang="pt-PT" dirty="0">
                 <a:latin typeface="Arial Nova" panose="020B0504020202020204" pitchFamily="34" charset="0"/>
               </a:rPr>
-              <a:t>Visualizar estado do seu veículo na oficina</a:t>
+              <a:t>Visualizar o estado do seu veículo na oficina</a:t>
             </a:r>
           </a:p>
           <a:p>
@@ -5879,7 +5879,7 @@
               <a:rPr lang="pt-PT" dirty="0">
                 <a:latin typeface="Arial Nova" panose="020B0504020202020204" pitchFamily="34" charset="0"/>
               </a:rPr>
-              <a:t>Visualizar histórico de reparações/manutenções</a:t>
+              <a:t>Visualizar o histórico de reparações/manutenções dos seus veículos</a:t>
             </a:r>
           </a:p>
         </p:txBody>
@@ -5899,7 +5899,7 @@
         <p:spPr>
           <a:xfrm>
             <a:off x="9028553" y="2200181"/>
-            <a:ext cx="2562809" cy="2308324"/>
+            <a:ext cx="2634360" cy="2308324"/>
           </a:xfrm>
           <a:prstGeom prst="rect">
             <a:avLst/>
@@ -5962,7 +5962,7 @@
               <a:rPr lang="pt-PT" dirty="0">
                 <a:latin typeface="Arial Nova" panose="020B0504020202020204" pitchFamily="34" charset="0"/>
               </a:rPr>
-              <a:t>Visualizar histórico de serviços da empresa</a:t>
+              <a:t>Visualizar o histórico de serviços da empresa/colaborador</a:t>
             </a:r>
           </a:p>
         </p:txBody>
@@ -7309,8 +7309,8 @@
         </p:nvSpPr>
         <p:spPr>
           <a:xfrm>
-            <a:off x="767751" y="3429000"/>
-            <a:ext cx="7567127" cy="2308324"/>
+            <a:off x="707366" y="3118468"/>
+            <a:ext cx="7567127" cy="2862322"/>
           </a:xfrm>
           <a:prstGeom prst="rect">
             <a:avLst/>
@@ -7331,7 +7331,7 @@
               <a:rPr lang="pt-PT" dirty="0">
                 <a:latin typeface="Arial Nova" panose="020B0504020202020204" pitchFamily="34" charset="0"/>
               </a:rPr>
-              <a:t>Rapidez da inserção de novos veículos através do VIN, com a ajuda de uma API pública</a:t>
+              <a:t>Rapidez da inserção de novos veículos através do VIN, com a utilização de uma API pública</a:t>
             </a:r>
           </a:p>
           <a:p>
@@ -7352,7 +7352,7 @@
               <a:rPr lang="pt-PT" dirty="0">
                 <a:latin typeface="Arial Nova" panose="020B0504020202020204" pitchFamily="34" charset="0"/>
               </a:rPr>
-              <a:t>Rapidez na comunicação entre oficina – cliente, com a ajuda do protocolo MQTT</a:t>
+              <a:t>Rapidez na comunicação entre oficina – cliente, com a aplicação do protocolo MQTT</a:t>
             </a:r>
           </a:p>
           <a:p>
@@ -7373,13 +7373,43 @@
               <a:rPr lang="pt-PT" dirty="0">
                 <a:latin typeface="Arial Nova" panose="020B0504020202020204" pitchFamily="34" charset="0"/>
               </a:rPr>
-              <a:t>Possibilidade do gestor do website visualizar o desempenho da plataforma através de gráficos </a:t>
-            </a:r>
-            <a:r>
-              <a:rPr lang="pt-PT">
+              <a:t>Possibilidade do gestor do website visualizar o desempenho da plataforma através de gráficos no </a:t>
+            </a:r>
+            <a:r>
+              <a:rPr lang="pt-PT" dirty="0" err="1">
                 <a:latin typeface="Arial Nova" panose="020B0504020202020204" pitchFamily="34" charset="0"/>
               </a:rPr>
-              <a:t>no back-end</a:t>
+              <a:t>back-end</a:t>
+            </a:r>
+            <a:endParaRPr lang="pt-PT" dirty="0">
+              <a:latin typeface="Arial Nova" panose="020B0504020202020204" pitchFamily="34" charset="0"/>
+            </a:endParaRPr>
+          </a:p>
+          <a:p>
+            <a:pPr marL="285750" indent="-285750">
+              <a:buFont typeface="Arial" panose="020B0604020202020204" pitchFamily="34" charset="0"/>
+              <a:buChar char="•"/>
+            </a:pPr>
+            <a:endParaRPr lang="pt-PT" dirty="0">
+              <a:latin typeface="Arial Nova" panose="020B0504020202020204" pitchFamily="34" charset="0"/>
+            </a:endParaRPr>
+          </a:p>
+          <a:p>
+            <a:pPr marL="285750" indent="-285750">
+              <a:buFont typeface="Arial" panose="020B0604020202020204" pitchFamily="34" charset="0"/>
+              <a:buChar char="•"/>
+            </a:pPr>
+            <a:r>
+              <a:rPr lang="pt-PT" dirty="0">
+                <a:latin typeface="Arial Nova" panose="020B0504020202020204" pitchFamily="34" charset="0"/>
+              </a:rPr>
+              <a:t>Centralização dos dados, sendo toda a plataforma </a:t>
+            </a:r>
+            <a:r>
+              <a:rPr lang="pt-PT" dirty="0" err="1">
+                <a:latin typeface="Arial Nova" panose="020B0504020202020204" pitchFamily="34" charset="0"/>
+              </a:rPr>
+              <a:t>multi-marca</a:t>
             </a:r>
             <a:endParaRPr lang="pt-PT" dirty="0">
               <a:latin typeface="Arial Nova" panose="020B0504020202020204" pitchFamily="34" charset="0"/>
@@ -7834,6 +7864,109 @@
                       </p:childTnLst>
                     </p:cTn>
                   </p:par>
+                  <p:par>
+                    <p:cTn id="30" fill="hold">
+                      <p:stCondLst>
+                        <p:cond delay="indefinite"/>
+                      </p:stCondLst>
+                      <p:childTnLst>
+                        <p:par>
+                          <p:cTn id="31" fill="hold">
+                            <p:stCondLst>
+                              <p:cond delay="0"/>
+                            </p:stCondLst>
+                            <p:childTnLst>
+                              <p:par>
+                                <p:cTn id="32" presetID="2" presetClass="entr" presetSubtype="8" fill="hold" nodeType="clickEffect">
+                                  <p:stCondLst>
+                                    <p:cond delay="0"/>
+                                  </p:stCondLst>
+                                  <p:childTnLst>
+                                    <p:set>
+                                      <p:cBhvr>
+                                        <p:cTn id="33" dur="1" fill="hold">
+                                          <p:stCondLst>
+                                            <p:cond delay="0"/>
+                                          </p:stCondLst>
+                                        </p:cTn>
+                                        <p:tgtEl>
+                                          <p:spTgt spid="10">
+                                            <p:txEl>
+                                              <p:pRg st="6" end="6"/>
+                                            </p:txEl>
+                                          </p:spTgt>
+                                        </p:tgtEl>
+                                        <p:attrNameLst>
+                                          <p:attrName>style.visibility</p:attrName>
+                                        </p:attrNameLst>
+                                      </p:cBhvr>
+                                      <p:to>
+                                        <p:strVal val="visible"/>
+                                      </p:to>
+                                    </p:set>
+                                    <p:anim calcmode="lin" valueType="num">
+                                      <p:cBhvr additive="base">
+                                        <p:cTn id="34" dur="500" fill="hold"/>
+                                        <p:tgtEl>
+                                          <p:spTgt spid="10">
+                                            <p:txEl>
+                                              <p:pRg st="6" end="6"/>
+                                            </p:txEl>
+                                          </p:spTgt>
+                                        </p:tgtEl>
+                                        <p:attrNameLst>
+                                          <p:attrName>ppt_x</p:attrName>
+                                        </p:attrNameLst>
+                                      </p:cBhvr>
+                                      <p:tavLst>
+                                        <p:tav tm="0">
+                                          <p:val>
+                                            <p:strVal val="0-#ppt_w/2"/>
+                                          </p:val>
+                                        </p:tav>
+                                        <p:tav tm="100000">
+                                          <p:val>
+                                            <p:strVal val="#ppt_x"/>
+                                          </p:val>
+                                        </p:tav>
+                                      </p:tavLst>
+                                    </p:anim>
+                                    <p:anim calcmode="lin" valueType="num">
+                                      <p:cBhvr additive="base">
+                                        <p:cTn id="35" dur="500" fill="hold"/>
+                                        <p:tgtEl>
+                                          <p:spTgt spid="10">
+                                            <p:txEl>
+                                              <p:pRg st="6" end="6"/>
+                                            </p:txEl>
+                                          </p:spTgt>
+                                        </p:tgtEl>
+                                        <p:attrNameLst>
+                                          <p:attrName>ppt_y</p:attrName>
+                                        </p:attrNameLst>
+                                      </p:cBhvr>
+                                      <p:tavLst>
+                                        <p:tav tm="0">
+                                          <p:val>
+                                            <p:strVal val="#ppt_y"/>
+                                          </p:val>
+                                        </p:tav>
+                                        <p:tav tm="100000">
+                                          <p:val>
+                                            <p:strVal val="#ppt_y"/>
+                                          </p:val>
+                                        </p:tav>
+                                      </p:tavLst>
+                                    </p:anim>
+                                  </p:childTnLst>
+                                </p:cTn>
+                              </p:par>
+                            </p:childTnLst>
+                          </p:cTn>
+                        </p:par>
+                      </p:childTnLst>
+                    </p:cTn>
+                  </p:par>
                 </p:childTnLst>
               </p:cTn>
               <p:prevCondLst>
@@ -7942,13 +8075,13 @@
   <p:clrMapOvr>
     <a:masterClrMapping/>
   </p:clrMapOvr>
-  <mc:AlternateContent xmlns:mc="http://schemas.openxmlformats.org/markup-compatibility/2006">
-    <mc:Choice xmlns:p14="http://schemas.microsoft.com/office/powerpoint/2010/main" Requires="p14">
+  <mc:AlternateContent xmlns:mc="http://schemas.openxmlformats.org/markup-compatibility/2006" xmlns:p14="http://schemas.microsoft.com/office/powerpoint/2010/main">
+    <mc:Choice Requires="p14">
       <p:transition spd="med" p14:dur="700">
         <p:fade/>
       </p:transition>
     </mc:Choice>
-    <mc:Fallback>
+    <mc:Fallback xmlns="">
       <p:transition spd="med">
         <p:fade/>
       </p:transition>

--- a/doc/PSI-Apresentação de Projeto Final 2.pptx
+++ b/doc/PSI-Apresentação de Projeto Final 2.pptx
@@ -210,7 +210,7 @@
             <a:pPr rtl="0"/>
             <a:fld id="{EB928736-AA0B-442D-A1AF-8261F7034BF9}" type="datetime1">
               <a:rPr lang="pt-PT" smtClean="0"/>
-              <a:t>22/02/2022</a:t>
+              <a:t>24/02/2022</a:t>
             </a:fld>
             <a:endParaRPr lang="en-US" dirty="0"/>
           </a:p>
@@ -380,7 +380,7 @@
             <a:pPr rtl="0"/>
             <a:fld id="{CD4F8076-E201-4AD9-9292-9CDC6E4C499D}" type="datetime1">
               <a:rPr lang="pt-PT" smtClean="0"/>
-              <a:t>22/02/2022</a:t>
+              <a:t>24/02/2022</a:t>
             </a:fld>
             <a:endParaRPr lang="en-US"/>
           </a:p>
@@ -801,7 +801,7 @@
             <a:pPr rtl="0"/>
             <a:fld id="{9CED0CAB-5C98-4633-8227-766380E8BC6E}" type="datetime1">
               <a:rPr lang="pt-PT" smtClean="0"/>
-              <a:t>22/02/2022</a:t>
+              <a:t>24/02/2022</a:t>
             </a:fld>
             <a:endParaRPr lang="en-US" dirty="0"/>
           </a:p>
@@ -1002,7 +1002,7 @@
             <a:pPr rtl="0"/>
             <a:fld id="{8222BAA2-AC6B-4746-8053-EDC8606E535A}" type="datetime1">
               <a:rPr lang="pt-PT" smtClean="0"/>
-              <a:t>22/02/2022</a:t>
+              <a:t>24/02/2022</a:t>
             </a:fld>
             <a:endParaRPr lang="en-US" dirty="0"/>
           </a:p>
@@ -1213,7 +1213,7 @@
             <a:pPr rtl="0"/>
             <a:fld id="{8EDC9CF0-46A2-4AC7-9FA2-8EC67FAC0032}" type="datetime1">
               <a:rPr lang="pt-PT" smtClean="0"/>
-              <a:t>22/02/2022</a:t>
+              <a:t>24/02/2022</a:t>
             </a:fld>
             <a:endParaRPr lang="en-US" dirty="0"/>
           </a:p>
@@ -1414,7 +1414,7 @@
             <a:pPr rtl="0"/>
             <a:fld id="{1F5BAF06-A1C3-41CD-B482-A3F55490B9C6}" type="datetime1">
               <a:rPr lang="pt-PT" smtClean="0"/>
-              <a:t>22/02/2022</a:t>
+              <a:t>24/02/2022</a:t>
             </a:fld>
             <a:endParaRPr lang="en-US" dirty="0"/>
           </a:p>
@@ -1693,7 +1693,7 @@
             <a:pPr rtl="0"/>
             <a:fld id="{57582FB0-8268-4450-AEFB-7C755E727544}" type="datetime1">
               <a:rPr lang="pt-PT" smtClean="0"/>
-              <a:t>22/02/2022</a:t>
+              <a:t>24/02/2022</a:t>
             </a:fld>
             <a:endParaRPr lang="en-US" dirty="0"/>
           </a:p>
@@ -1961,7 +1961,7 @@
             <a:pPr rtl="0"/>
             <a:fld id="{56E0A07F-0364-433A-B636-12526FBF2765}" type="datetime1">
               <a:rPr lang="pt-PT" smtClean="0"/>
-              <a:t>22/02/2022</a:t>
+              <a:t>24/02/2022</a:t>
             </a:fld>
             <a:endParaRPr lang="en-US" dirty="0"/>
           </a:p>
@@ -2376,7 +2376,7 @@
             <a:pPr rtl="0"/>
             <a:fld id="{1F5BAF06-A1C3-41CD-B482-A3F55490B9C6}" type="datetime1">
               <a:rPr lang="pt-PT" smtClean="0"/>
-              <a:t>22/02/2022</a:t>
+              <a:t>24/02/2022</a:t>
             </a:fld>
             <a:endParaRPr lang="en-US" dirty="0"/>
           </a:p>
@@ -2521,7 +2521,7 @@
             <a:pPr rtl="0"/>
             <a:fld id="{CE5B8D0D-025A-4217-B697-16EEC070DDC8}" type="datetime1">
               <a:rPr lang="pt-PT" smtClean="0"/>
-              <a:t>22/02/2022</a:t>
+              <a:t>24/02/2022</a:t>
             </a:fld>
             <a:endParaRPr lang="en-US" dirty="0"/>
           </a:p>
@@ -2637,7 +2637,7 @@
             <a:pPr rtl="0"/>
             <a:fld id="{FA763092-FB88-4F2E-B7A9-6AD9CA079CD0}" type="datetime1">
               <a:rPr lang="pt-PT" smtClean="0"/>
-              <a:t>22/02/2022</a:t>
+              <a:t>24/02/2022</a:t>
             </a:fld>
             <a:endParaRPr lang="en-US" dirty="0"/>
           </a:p>
@@ -2951,7 +2951,7 @@
             <a:pPr rtl="0"/>
             <a:fld id="{E55777FD-C41C-4ED6-9788-E0BDB29FE28C}" type="datetime1">
               <a:rPr lang="pt-PT" smtClean="0"/>
-              <a:t>22/02/2022</a:t>
+              <a:t>24/02/2022</a:t>
             </a:fld>
             <a:endParaRPr lang="en-US" dirty="0"/>
           </a:p>
@@ -3243,7 +3243,7 @@
             <a:pPr rtl="0"/>
             <a:fld id="{E2C937DC-1FD7-45E0-8375-82F139FBDB0A}" type="datetime1">
               <a:rPr lang="pt-PT" smtClean="0"/>
-              <a:t>22/02/2022</a:t>
+              <a:t>24/02/2022</a:t>
             </a:fld>
             <a:endParaRPr lang="en-US" dirty="0"/>
           </a:p>
@@ -3487,7 +3487,7 @@
             <a:pPr rtl="0"/>
             <a:fld id="{1F5BAF06-A1C3-41CD-B482-A3F55490B9C6}" type="datetime1">
               <a:rPr lang="pt-PT" smtClean="0"/>
-              <a:t>22/02/2022</a:t>
+              <a:t>24/02/2022</a:t>
             </a:fld>
             <a:endParaRPr lang="en-US" dirty="0"/>
           </a:p>
@@ -4266,7 +4266,7 @@
             <a:pPr rtl="0"/>
             <a:fld id="{BBC3D2EF-A9F1-401A-8C02-1662D96CBA0D}" type="datetime1">
               <a:rPr lang="pt-PT" smtClean="0"/>
-              <a:t>22/02/2022</a:t>
+              <a:t>24/02/2022</a:t>
             </a:fld>
             <a:endParaRPr lang="en-US" dirty="0"/>
           </a:p>
@@ -5682,7 +5682,7 @@
                 </a:solidFill>
                 <a:latin typeface="Arial Black" panose="020B0A04020102020204" pitchFamily="34" charset="0"/>
               </a:rPr>
-              <a:t>Cliente</a:t>
+              <a:t>Clientes</a:t>
             </a:r>
             <a:endParaRPr lang="pt-pt" sz="4800" dirty="0">
               <a:solidFill>
@@ -7044,7 +7044,7 @@
             <a:pPr rtl="0"/>
             <a:fld id="{BBC3D2EF-A9F1-401A-8C02-1662D96CBA0D}" type="datetime1">
               <a:rPr lang="pt-PT" smtClean="0"/>
-              <a:t>22/02/2022</a:t>
+              <a:t>24/02/2022</a:t>
             </a:fld>
             <a:endParaRPr lang="en-US" dirty="0"/>
           </a:p>
